--- a/_site/lectures/Lecture05/Lecture05.pptx
+++ b/_site/lectures/Lecture05/Lecture05.pptx
@@ -5003,7 +5003,7 @@
             </a:pPr>
             <a:r>
               <a:rPr/>
-              <a:t>31 October, 2022</a:t>
+              <a:t>10/31/22</a:t>
             </a:r>
           </a:p>
         </p:txBody>

--- a/_site/lectures/Lecture05/Lecture05.pptx
+++ b/_site/lectures/Lecture05/Lecture05.pptx
@@ -5003,7 +5003,7 @@
             </a:pPr>
             <a:r>
               <a:rPr/>
-              <a:t>10/31/22</a:t>
+              <a:t>31 October, 2022</a:t>
             </a:r>
           </a:p>
         </p:txBody>
